--- a/readme/TIStools.pptx
+++ b/readme/TIStools.pptx
@@ -265,7 +265,7 @@
             <a:fld id="{5C979E5A-5764-4AAB-A962-3E8F18291B4D}" type="datetimeFigureOut">
               <a:rPr lang="zh-CN" altLang="en-US" smtClean="0"/>
               <a:pPr/>
-              <a:t>17/5/15</a:t>
+              <a:t>17/6/2</a:t>
             </a:fld>
             <a:endParaRPr lang="zh-CN" altLang="en-US"/>
           </a:p>
@@ -432,7 +432,7 @@
             <a:fld id="{01776D96-E550-42A4-AAC9-143101C0E129}" type="datetimeFigureOut">
               <a:rPr lang="zh-CN" altLang="en-US" smtClean="0"/>
               <a:pPr/>
-              <a:t>17/5/15</a:t>
+              <a:t>17/6/2</a:t>
             </a:fld>
             <a:endParaRPr lang="zh-CN" altLang="en-US"/>
           </a:p>
@@ -7743,7 +7743,7 @@
             <a:fld id="{530820CF-B880-4189-942D-D702A7CBA730}" type="datetimeFigureOut">
               <a:rPr lang="zh-CN" altLang="en-US" smtClean="0"/>
               <a:pPr/>
-              <a:t>17/5/15</a:t>
+              <a:t>17/6/2</a:t>
             </a:fld>
             <a:endParaRPr lang="zh-CN" altLang="en-US"/>
           </a:p>
@@ -17472,6 +17472,9 @@
           <a:solidFill>
             <a:schemeClr val="bg1"/>
           </a:solidFill>
+          <a:ln>
+            <a:prstDash val="dash"/>
+          </a:ln>
         </p:spPr>
         <p:style>
           <a:lnRef idx="2">
@@ -17517,6 +17520,9 @@
           <a:solidFill>
             <a:srgbClr val="0070C0"/>
           </a:solidFill>
+          <a:ln>
+            <a:prstDash val="dash"/>
+          </a:ln>
         </p:spPr>
         <p:style>
           <a:lnRef idx="2">
@@ -17620,6 +17626,9 @@
               <a:gd name="adj" fmla="val 7545"/>
             </a:avLst>
           </a:prstGeom>
+          <a:ln>
+            <a:prstDash val="dash"/>
+          </a:ln>
         </p:spPr>
         <p:style>
           <a:lnRef idx="2">
@@ -17666,6 +17675,9 @@
               <a:gd name="adj" fmla="val 7545"/>
             </a:avLst>
           </a:prstGeom>
+          <a:ln>
+            <a:prstDash val="dash"/>
+          </a:ln>
         </p:spPr>
         <p:style>
           <a:lnRef idx="2">
@@ -17712,6 +17724,9 @@
               <a:gd name="adj" fmla="val 7545"/>
             </a:avLst>
           </a:prstGeom>
+          <a:ln>
+            <a:prstDash val="dash"/>
+          </a:ln>
         </p:spPr>
         <p:style>
           <a:lnRef idx="2">
@@ -17758,6 +17773,9 @@
               <a:gd name="adj" fmla="val 7545"/>
             </a:avLst>
           </a:prstGeom>
+          <a:ln>
+            <a:prstDash val="dash"/>
+          </a:ln>
         </p:spPr>
         <p:style>
           <a:lnRef idx="2">
@@ -17804,6 +17822,9 @@
               <a:gd name="adj" fmla="val 7545"/>
             </a:avLst>
           </a:prstGeom>
+          <a:ln>
+            <a:prstDash val="dash"/>
+          </a:ln>
         </p:spPr>
         <p:style>
           <a:lnRef idx="2">
@@ -17853,6 +17874,9 @@
           <a:solidFill>
             <a:schemeClr val="accent2"/>
           </a:solidFill>
+          <a:ln>
+            <a:prstDash val="dash"/>
+          </a:ln>
         </p:spPr>
         <p:style>
           <a:lnRef idx="2">
@@ -17985,6 +18009,7 @@
             <a:solidFill>
               <a:schemeClr val="tx1"/>
             </a:solidFill>
+            <a:prstDash val="dash"/>
           </a:ln>
         </p:spPr>
         <p:style>
@@ -18031,6 +18056,9 @@
           <a:solidFill>
             <a:schemeClr val="accent2"/>
           </a:solidFill>
+          <a:ln>
+            <a:prstDash val="dash"/>
+          </a:ln>
         </p:spPr>
         <p:style>
           <a:lnRef idx="2">

--- a/readme/TIStools.pptx
+++ b/readme/TIStools.pptx
@@ -265,7 +265,7 @@
             <a:fld id="{5C979E5A-5764-4AAB-A962-3E8F18291B4D}" type="datetimeFigureOut">
               <a:rPr lang="zh-CN" altLang="en-US" smtClean="0"/>
               <a:pPr/>
-              <a:t>17/6/2</a:t>
+              <a:t>17/6/3</a:t>
             </a:fld>
             <a:endParaRPr lang="zh-CN" altLang="en-US"/>
           </a:p>
@@ -432,7 +432,7 @@
             <a:fld id="{01776D96-E550-42A4-AAC9-143101C0E129}" type="datetimeFigureOut">
               <a:rPr lang="zh-CN" altLang="en-US" smtClean="0"/>
               <a:pPr/>
-              <a:t>17/6/2</a:t>
+              <a:t>17/6/3</a:t>
             </a:fld>
             <a:endParaRPr lang="zh-CN" altLang="en-US"/>
           </a:p>
@@ -7743,7 +7743,7 @@
             <a:fld id="{530820CF-B880-4189-942D-D702A7CBA730}" type="datetimeFigureOut">
               <a:rPr lang="zh-CN" altLang="en-US" smtClean="0"/>
               <a:pPr/>
-              <a:t>17/6/2</a:t>
+              <a:t>17/6/3</a:t>
             </a:fld>
             <a:endParaRPr lang="zh-CN" altLang="en-US"/>
           </a:p>
@@ -46341,6 +46341,43 @@
           </a:p>
         </p:txBody>
       </p:sp>
+      <p:sp>
+        <p:nvSpPr>
+          <p:cNvPr id="5" name="矩形 4"/>
+          <p:cNvSpPr/>
+          <p:nvPr/>
+        </p:nvSpPr>
+        <p:spPr>
+          <a:xfrm>
+            <a:off x="61838" y="59617"/>
+            <a:ext cx="3250408" cy="738664"/>
+          </a:xfrm>
+          <a:prstGeom prst="rect">
+            <a:avLst/>
+          </a:prstGeom>
+        </p:spPr>
+        <p:txBody>
+          <a:bodyPr wrap="square">
+            <a:spAutoFit/>
+          </a:bodyPr>
+          <a:lstStyle/>
+          <a:p>
+            <a:r>
+              <a:rPr kumimoji="1" lang="zh-CN" altLang="en-US" sz="1400" dirty="0" smtClean="0">
+                <a:solidFill>
+                  <a:srgbClr val="C00000"/>
+                </a:solidFill>
+              </a:rPr>
+              <a:t>思考：是否应该在服务间的调用过程中，自然串联出业务逻辑，而不需要专门的‘业务流程’实现者！</a:t>
+            </a:r>
+            <a:endParaRPr kumimoji="1" lang="en-US" altLang="zh-CN" sz="1400" dirty="0">
+              <a:solidFill>
+                <a:srgbClr val="C00000"/>
+              </a:solidFill>
+            </a:endParaRPr>
+          </a:p>
+        </p:txBody>
+      </p:sp>
     </p:spTree>
     <p:extLst>
       <p:ext uri="{BB962C8B-B14F-4D97-AF65-F5344CB8AC3E}">
@@ -48840,8 +48877,8 @@
         </p:nvSpPr>
         <p:spPr>
           <a:xfrm>
-            <a:off x="2113730" y="2673499"/>
-            <a:ext cx="1008112" cy="369332"/>
+            <a:off x="2035409" y="2673499"/>
+            <a:ext cx="1204757" cy="369332"/>
           </a:xfrm>
           <a:prstGeom prst="roundRect">
             <a:avLst/>
@@ -48869,8 +48906,8 @@
           <a:p>
             <a:pPr algn="ctr"/>
             <a:r>
-              <a:rPr kumimoji="1" lang="en-US" altLang="zh-CN" smtClean="0"/>
-              <a:t>MVC</a:t>
+              <a:rPr kumimoji="1" lang="zh-CN" altLang="en-US" smtClean="0"/>
+              <a:t>业务引擎</a:t>
             </a:r>
             <a:endParaRPr kumimoji="1" lang="zh-CN" altLang="en-US" dirty="0"/>
           </a:p>
@@ -49002,7 +49039,7 @@
             <a:pPr algn="ctr"/>
             <a:r>
               <a:rPr kumimoji="1" lang="zh-CN" altLang="en-US" dirty="0" smtClean="0"/>
-              <a:t>应用平台</a:t>
+              <a:t>业务系统</a:t>
             </a:r>
             <a:endParaRPr kumimoji="1" lang="zh-CN" altLang="en-US" dirty="0"/>
           </a:p>
